--- a/process.pptx
+++ b/process.pptx
@@ -9,9 +9,8 @@
     <p:sldId id="258" r:id="rId3"/>
     <p:sldId id="262" r:id="rId4"/>
     <p:sldId id="259" r:id="rId5"/>
-    <p:sldId id="260" r:id="rId6"/>
-    <p:sldId id="261" r:id="rId7"/>
-    <p:sldId id="263" r:id="rId8"/>
+    <p:sldId id="263" r:id="rId6"/>
+    <p:sldId id="264" r:id="rId7"/>
   </p:sldIdLst>
   <p:sldSz cx="12192000" cy="6858000"/>
   <p:notesSz cx="6858000" cy="9144000"/>
@@ -249,7 +248,7 @@
           <a:p>
             <a:fld id="{EE009142-0EAF-42C0-BEDC-16AD46C8A7D1}" type="datetimeFigureOut">
               <a:rPr lang="zh-TW" altLang="en-US" smtClean="0"/>
-              <a:t>2024/8/15</a:t>
+              <a:t>2024/9/2</a:t>
             </a:fld>
             <a:endParaRPr lang="zh-TW" altLang="en-US"/>
           </a:p>
@@ -419,7 +418,7 @@
           <a:p>
             <a:fld id="{EE009142-0EAF-42C0-BEDC-16AD46C8A7D1}" type="datetimeFigureOut">
               <a:rPr lang="zh-TW" altLang="en-US" smtClean="0"/>
-              <a:t>2024/8/15</a:t>
+              <a:t>2024/9/2</a:t>
             </a:fld>
             <a:endParaRPr lang="zh-TW" altLang="en-US"/>
           </a:p>
@@ -599,7 +598,7 @@
           <a:p>
             <a:fld id="{EE009142-0EAF-42C0-BEDC-16AD46C8A7D1}" type="datetimeFigureOut">
               <a:rPr lang="zh-TW" altLang="en-US" smtClean="0"/>
-              <a:t>2024/8/15</a:t>
+              <a:t>2024/9/2</a:t>
             </a:fld>
             <a:endParaRPr lang="zh-TW" altLang="en-US"/>
           </a:p>
@@ -769,7 +768,7 @@
           <a:p>
             <a:fld id="{EE009142-0EAF-42C0-BEDC-16AD46C8A7D1}" type="datetimeFigureOut">
               <a:rPr lang="zh-TW" altLang="en-US" smtClean="0"/>
-              <a:t>2024/8/15</a:t>
+              <a:t>2024/9/2</a:t>
             </a:fld>
             <a:endParaRPr lang="zh-TW" altLang="en-US"/>
           </a:p>
@@ -1015,7 +1014,7 @@
           <a:p>
             <a:fld id="{EE009142-0EAF-42C0-BEDC-16AD46C8A7D1}" type="datetimeFigureOut">
               <a:rPr lang="zh-TW" altLang="en-US" smtClean="0"/>
-              <a:t>2024/8/15</a:t>
+              <a:t>2024/9/2</a:t>
             </a:fld>
             <a:endParaRPr lang="zh-TW" altLang="en-US"/>
           </a:p>
@@ -1247,7 +1246,7 @@
           <a:p>
             <a:fld id="{EE009142-0EAF-42C0-BEDC-16AD46C8A7D1}" type="datetimeFigureOut">
               <a:rPr lang="zh-TW" altLang="en-US" smtClean="0"/>
-              <a:t>2024/8/15</a:t>
+              <a:t>2024/9/2</a:t>
             </a:fld>
             <a:endParaRPr lang="zh-TW" altLang="en-US"/>
           </a:p>
@@ -1614,7 +1613,7 @@
           <a:p>
             <a:fld id="{EE009142-0EAF-42C0-BEDC-16AD46C8A7D1}" type="datetimeFigureOut">
               <a:rPr lang="zh-TW" altLang="en-US" smtClean="0"/>
-              <a:t>2024/8/15</a:t>
+              <a:t>2024/9/2</a:t>
             </a:fld>
             <a:endParaRPr lang="zh-TW" altLang="en-US"/>
           </a:p>
@@ -1732,7 +1731,7 @@
           <a:p>
             <a:fld id="{EE009142-0EAF-42C0-BEDC-16AD46C8A7D1}" type="datetimeFigureOut">
               <a:rPr lang="zh-TW" altLang="en-US" smtClean="0"/>
-              <a:t>2024/8/15</a:t>
+              <a:t>2024/9/2</a:t>
             </a:fld>
             <a:endParaRPr lang="zh-TW" altLang="en-US"/>
           </a:p>
@@ -1827,7 +1826,7 @@
           <a:p>
             <a:fld id="{EE009142-0EAF-42C0-BEDC-16AD46C8A7D1}" type="datetimeFigureOut">
               <a:rPr lang="zh-TW" altLang="en-US" smtClean="0"/>
-              <a:t>2024/8/15</a:t>
+              <a:t>2024/9/2</a:t>
             </a:fld>
             <a:endParaRPr lang="zh-TW" altLang="en-US"/>
           </a:p>
@@ -2104,7 +2103,7 @@
           <a:p>
             <a:fld id="{EE009142-0EAF-42C0-BEDC-16AD46C8A7D1}" type="datetimeFigureOut">
               <a:rPr lang="zh-TW" altLang="en-US" smtClean="0"/>
-              <a:t>2024/8/15</a:t>
+              <a:t>2024/9/2</a:t>
             </a:fld>
             <a:endParaRPr lang="zh-TW" altLang="en-US"/>
           </a:p>
@@ -2357,7 +2356,7 @@
           <a:p>
             <a:fld id="{EE009142-0EAF-42C0-BEDC-16AD46C8A7D1}" type="datetimeFigureOut">
               <a:rPr lang="zh-TW" altLang="en-US" smtClean="0"/>
-              <a:t>2024/8/15</a:t>
+              <a:t>2024/9/2</a:t>
             </a:fld>
             <a:endParaRPr lang="zh-TW" altLang="en-US"/>
           </a:p>
@@ -2570,7 +2569,7 @@
           <a:p>
             <a:fld id="{EE009142-0EAF-42C0-BEDC-16AD46C8A7D1}" type="datetimeFigureOut">
               <a:rPr lang="zh-TW" altLang="en-US" smtClean="0"/>
-              <a:t>2024/8/15</a:t>
+              <a:t>2024/9/2</a:t>
             </a:fld>
             <a:endParaRPr lang="zh-TW" altLang="en-US"/>
           </a:p>
@@ -3051,7 +3050,7 @@
         </p:nvSpPr>
         <p:spPr>
           <a:xfrm>
-            <a:off x="4522966" y="499414"/>
+            <a:off x="4492887" y="198622"/>
             <a:ext cx="2066026" cy="530523"/>
           </a:xfrm>
           <a:prstGeom prst="roundRect">
@@ -3105,7 +3104,7 @@
         </p:nvSpPr>
         <p:spPr>
           <a:xfrm>
-            <a:off x="4523768" y="2920657"/>
+            <a:off x="4493689" y="2619865"/>
             <a:ext cx="2066026" cy="307422"/>
           </a:xfrm>
           <a:prstGeom prst="roundRect">
@@ -3155,7 +3154,7 @@
         </p:nvSpPr>
         <p:spPr>
           <a:xfrm>
-            <a:off x="4223084" y="159095"/>
+            <a:off x="4193005" y="-141697"/>
             <a:ext cx="2600648" cy="369332"/>
           </a:xfrm>
           <a:prstGeom prst="rect">
@@ -3189,7 +3188,7 @@
         </p:nvSpPr>
         <p:spPr>
           <a:xfrm>
-            <a:off x="4223084" y="1916932"/>
+            <a:off x="4193005" y="1616140"/>
             <a:ext cx="2653290" cy="369332"/>
           </a:xfrm>
           <a:prstGeom prst="rect">
@@ -3219,7 +3218,7 @@
         </p:nvSpPr>
         <p:spPr>
           <a:xfrm>
-            <a:off x="4263751" y="3214243"/>
+            <a:off x="4233672" y="2913451"/>
             <a:ext cx="2632387" cy="369332"/>
           </a:xfrm>
           <a:prstGeom prst="rect">
@@ -3253,7 +3252,7 @@
         </p:nvSpPr>
         <p:spPr>
           <a:xfrm>
-            <a:off x="4523768" y="5013234"/>
+            <a:off x="4493689" y="4308013"/>
             <a:ext cx="2066026" cy="372833"/>
           </a:xfrm>
           <a:prstGeom prst="roundRect">
@@ -3314,7 +3313,7 @@
         </p:nvSpPr>
         <p:spPr>
           <a:xfrm>
-            <a:off x="4523367" y="5541881"/>
+            <a:off x="4493288" y="4836660"/>
             <a:ext cx="2066026" cy="307422"/>
           </a:xfrm>
           <a:prstGeom prst="roundRect">
@@ -3386,7 +3385,15 @@
                   <a:srgbClr val="FF0000"/>
                 </a:solidFill>
               </a:rPr>
-              <a:t> file</a:t>
+              <a:t> </a:t>
+            </a:r>
+            <a:r>
+              <a:rPr lang="en-US" altLang="zh-TW" sz="1200" dirty="0" smtClean="0">
+                <a:solidFill>
+                  <a:srgbClr val="FF0000"/>
+                </a:solidFill>
+              </a:rPr>
+              <a:t>file</a:t>
             </a:r>
             <a:endParaRPr lang="zh-TW" altLang="en-US" sz="1200" dirty="0">
               <a:solidFill>
@@ -3404,7 +3411,7 @@
         </p:nvSpPr>
         <p:spPr>
           <a:xfrm>
-            <a:off x="4523367" y="5983879"/>
+            <a:off x="4492887" y="5796915"/>
             <a:ext cx="2066026" cy="376160"/>
           </a:xfrm>
           <a:prstGeom prst="roundRect">
@@ -3465,7 +3472,7 @@
         </p:nvSpPr>
         <p:spPr>
           <a:xfrm>
-            <a:off x="4183472" y="4287484"/>
+            <a:off x="4153393" y="3892593"/>
             <a:ext cx="2653290" cy="369332"/>
           </a:xfrm>
           <a:prstGeom prst="rect">
@@ -3495,7 +3502,7 @@
         </p:nvSpPr>
         <p:spPr>
           <a:xfrm>
-            <a:off x="4204375" y="4484925"/>
+            <a:off x="4206918" y="3982423"/>
             <a:ext cx="2621230" cy="369332"/>
           </a:xfrm>
           <a:prstGeom prst="rect">
@@ -3529,7 +3536,7 @@
         </p:nvSpPr>
         <p:spPr>
           <a:xfrm>
-            <a:off x="4233535" y="6414058"/>
+            <a:off x="4238442" y="6590540"/>
             <a:ext cx="2569934" cy="369332"/>
           </a:xfrm>
           <a:prstGeom prst="rect">
@@ -3566,7 +3573,7 @@
         </p:nvCxnSpPr>
         <p:spPr>
           <a:xfrm>
-            <a:off x="5555979" y="1029937"/>
+            <a:off x="5525900" y="729145"/>
             <a:ext cx="802" cy="197428"/>
           </a:xfrm>
           <a:prstGeom prst="straightConnector1">
@@ -3599,7 +3606,7 @@
         </p:nvSpPr>
         <p:spPr>
           <a:xfrm>
-            <a:off x="4573370" y="1227365"/>
+            <a:off x="4543291" y="926573"/>
             <a:ext cx="1966822" cy="793630"/>
           </a:xfrm>
           <a:prstGeom prst="diamond">
@@ -3654,8 +3661,8 @@
         </p:nvCxnSpPr>
         <p:spPr>
           <a:xfrm>
-            <a:off x="5556781" y="3228079"/>
-            <a:ext cx="0" cy="383137"/>
+            <a:off x="5526702" y="2927287"/>
+            <a:ext cx="0" cy="289038"/>
           </a:xfrm>
           <a:prstGeom prst="straightConnector1">
             <a:avLst/>
@@ -3687,7 +3694,7 @@
         </p:nvSpPr>
         <p:spPr>
           <a:xfrm>
-            <a:off x="4573370" y="3611216"/>
+            <a:off x="4543291" y="3216325"/>
             <a:ext cx="1966822" cy="793630"/>
           </a:xfrm>
           <a:prstGeom prst="diamond">
@@ -3741,8 +3748,8 @@
         </p:nvCxnSpPr>
         <p:spPr>
           <a:xfrm>
-            <a:off x="5556380" y="4408036"/>
-            <a:ext cx="401" cy="605198"/>
+            <a:off x="5526702" y="3901671"/>
+            <a:ext cx="0" cy="406342"/>
           </a:xfrm>
           <a:prstGeom prst="straightConnector1">
             <a:avLst/>
@@ -3777,7 +3784,7 @@
         </p:nvCxnSpPr>
         <p:spPr>
           <a:xfrm flipH="1">
-            <a:off x="5556380" y="5386067"/>
+            <a:off x="5526301" y="4680846"/>
             <a:ext cx="401" cy="155814"/>
           </a:xfrm>
           <a:prstGeom prst="straightConnector1">
@@ -3802,42 +3809,6 @@
           </a:fontRef>
         </p:style>
       </p:cxnSp>
-      <p:cxnSp>
-        <p:nvCxnSpPr>
-          <p:cNvPr id="38" name="直線單箭頭接點 37"/>
-          <p:cNvCxnSpPr>
-            <a:stCxn id="14" idx="2"/>
-            <a:endCxn id="15" idx="0"/>
-          </p:cNvCxnSpPr>
-          <p:nvPr/>
-        </p:nvCxnSpPr>
-        <p:spPr>
-          <a:xfrm>
-            <a:off x="5556380" y="5849303"/>
-            <a:ext cx="0" cy="134576"/>
-          </a:xfrm>
-          <a:prstGeom prst="straightConnector1">
-            <a:avLst/>
-          </a:prstGeom>
-          <a:ln>
-            <a:tailEnd type="triangle"/>
-          </a:ln>
-        </p:spPr>
-        <p:style>
-          <a:lnRef idx="1">
-            <a:schemeClr val="dk1"/>
-          </a:lnRef>
-          <a:fillRef idx="0">
-            <a:schemeClr val="dk1"/>
-          </a:fillRef>
-          <a:effectRef idx="0">
-            <a:schemeClr val="dk1"/>
-          </a:effectRef>
-          <a:fontRef idx="minor">
-            <a:schemeClr val="tx1"/>
-          </a:fontRef>
-        </p:style>
-      </p:cxnSp>
       <p:sp>
         <p:nvSpPr>
           <p:cNvPr id="42" name="圓角矩形 41"/>
@@ -3846,7 +3817,7 @@
         </p:nvSpPr>
         <p:spPr>
           <a:xfrm>
-            <a:off x="6978216" y="3819965"/>
+            <a:off x="6948137" y="3425074"/>
             <a:ext cx="2066026" cy="376131"/>
           </a:xfrm>
           <a:prstGeom prst="roundRect">
@@ -3910,7 +3881,7 @@
         </p:nvCxnSpPr>
         <p:spPr>
           <a:xfrm>
-            <a:off x="6540192" y="4008031"/>
+            <a:off x="6510113" y="3613140"/>
             <a:ext cx="438024" cy="0"/>
           </a:xfrm>
           <a:prstGeom prst="straightConnector1">
@@ -3946,8 +3917,8 @@
         </p:nvCxnSpPr>
         <p:spPr>
           <a:xfrm rot="5400000">
-            <a:off x="6798735" y="3987156"/>
-            <a:ext cx="1003555" cy="1421435"/>
+            <a:off x="6923821" y="3437100"/>
+            <a:ext cx="693225" cy="1421435"/>
           </a:xfrm>
           <a:prstGeom prst="bentConnector2">
             <a:avLst/>
@@ -3979,7 +3950,7 @@
         </p:nvSpPr>
         <p:spPr>
           <a:xfrm>
-            <a:off x="4776015" y="2194252"/>
+            <a:off x="4745936" y="1893460"/>
             <a:ext cx="1560730" cy="548214"/>
           </a:xfrm>
           <a:prstGeom prst="diamond">
@@ -4038,13 +4009,13 @@
         </p:nvCxnSpPr>
         <p:spPr>
           <a:xfrm rot="5400000" flipH="1">
-            <a:off x="3220358" y="4024017"/>
-            <a:ext cx="3891680" cy="780365"/>
+            <a:off x="3133164" y="3780339"/>
+            <a:ext cx="4005508" cy="779964"/>
           </a:xfrm>
           <a:prstGeom prst="bentConnector4">
             <a:avLst>
-              <a:gd name="adj1" fmla="val -3401"/>
-              <a:gd name="adj2" fmla="val 197902"/>
+              <a:gd name="adj1" fmla="val -2853"/>
+              <a:gd name="adj2" fmla="val 211887"/>
             </a:avLst>
           </a:prstGeom>
           <a:ln>
@@ -4077,7 +4048,7 @@
         </p:nvCxnSpPr>
         <p:spPr>
           <a:xfrm>
-            <a:off x="5556380" y="2742466"/>
+            <a:off x="5526301" y="2441674"/>
             <a:ext cx="401" cy="178191"/>
           </a:xfrm>
           <a:prstGeom prst="straightConnector1">
@@ -4132,6 +4103,238 @@
           </a:p>
         </p:txBody>
       </p:sp>
+      <p:sp>
+        <p:nvSpPr>
+          <p:cNvPr id="29" name="圓角矩形 28"/>
+          <p:cNvSpPr/>
+          <p:nvPr/>
+        </p:nvSpPr>
+        <p:spPr>
+          <a:xfrm>
+            <a:off x="4492887" y="6375658"/>
+            <a:ext cx="2066026" cy="307422"/>
+          </a:xfrm>
+          <a:prstGeom prst="roundRect">
+            <a:avLst/>
+          </a:prstGeom>
+        </p:spPr>
+        <p:style>
+          <a:lnRef idx="2">
+            <a:schemeClr val="dk1"/>
+          </a:lnRef>
+          <a:fillRef idx="1">
+            <a:schemeClr val="lt1"/>
+          </a:fillRef>
+          <a:effectRef idx="0">
+            <a:schemeClr val="dk1"/>
+          </a:effectRef>
+          <a:fontRef idx="minor">
+            <a:schemeClr val="dk1"/>
+          </a:fontRef>
+        </p:style>
+        <p:txBody>
+          <a:bodyPr rtlCol="0" anchor="ctr"/>
+          <a:lstStyle/>
+          <a:p>
+            <a:pPr algn="ctr"/>
+            <a:r>
+              <a:rPr lang="en-US" altLang="zh-TW" sz="1200" dirty="0" smtClean="0">
+                <a:solidFill>
+                  <a:schemeClr val="tx1"/>
+                </a:solidFill>
+              </a:rPr>
+              <a:t>Create MRIinfo.xlsx</a:t>
+            </a:r>
+            <a:endParaRPr lang="zh-TW" altLang="en-US" sz="1200" dirty="0">
+              <a:solidFill>
+                <a:srgbClr val="FF0000"/>
+              </a:solidFill>
+            </a:endParaRPr>
+          </a:p>
+        </p:txBody>
+      </p:sp>
+      <p:cxnSp>
+        <p:nvCxnSpPr>
+          <p:cNvPr id="23" name="直線單箭頭接點 22"/>
+          <p:cNvCxnSpPr>
+            <a:stCxn id="15" idx="2"/>
+            <a:endCxn id="29" idx="0"/>
+          </p:cNvCxnSpPr>
+          <p:nvPr/>
+        </p:nvCxnSpPr>
+        <p:spPr>
+          <a:xfrm>
+            <a:off x="5525900" y="6173075"/>
+            <a:ext cx="0" cy="202583"/>
+          </a:xfrm>
+          <a:prstGeom prst="straightConnector1">
+            <a:avLst/>
+          </a:prstGeom>
+          <a:ln>
+            <a:tailEnd type="triangle"/>
+          </a:ln>
+        </p:spPr>
+        <p:style>
+          <a:lnRef idx="1">
+            <a:schemeClr val="dk1"/>
+          </a:lnRef>
+          <a:fillRef idx="0">
+            <a:schemeClr val="dk1"/>
+          </a:fillRef>
+          <a:effectRef idx="0">
+            <a:schemeClr val="dk1"/>
+          </a:effectRef>
+          <a:fontRef idx="minor">
+            <a:schemeClr val="tx1"/>
+          </a:fontRef>
+        </p:style>
+      </p:cxnSp>
+      <p:sp>
+        <p:nvSpPr>
+          <p:cNvPr id="41" name="圓角矩形 40"/>
+          <p:cNvSpPr/>
+          <p:nvPr/>
+        </p:nvSpPr>
+        <p:spPr>
+          <a:xfrm>
+            <a:off x="4492887" y="5336902"/>
+            <a:ext cx="2066026" cy="307422"/>
+          </a:xfrm>
+          <a:prstGeom prst="roundRect">
+            <a:avLst/>
+          </a:prstGeom>
+        </p:spPr>
+        <p:style>
+          <a:lnRef idx="2">
+            <a:schemeClr val="dk1"/>
+          </a:lnRef>
+          <a:fillRef idx="1">
+            <a:schemeClr val="lt1"/>
+          </a:fillRef>
+          <a:effectRef idx="0">
+            <a:schemeClr val="dk1"/>
+          </a:effectRef>
+          <a:fontRef idx="minor">
+            <a:schemeClr val="dk1"/>
+          </a:fontRef>
+        </p:style>
+        <p:txBody>
+          <a:bodyPr rtlCol="0" anchor="ctr"/>
+          <a:lstStyle/>
+          <a:p>
+            <a:pPr algn="ctr"/>
+            <a:r>
+              <a:rPr lang="en-US" altLang="zh-TW" sz="1200" dirty="0" smtClean="0">
+                <a:solidFill>
+                  <a:schemeClr val="tx1"/>
+                </a:solidFill>
+              </a:rPr>
+              <a:t>Get .</a:t>
+            </a:r>
+            <a:r>
+              <a:rPr lang="en-US" altLang="zh-TW" sz="1200" dirty="0" err="1" smtClean="0">
+                <a:solidFill>
+                  <a:schemeClr val="tx1"/>
+                </a:solidFill>
+              </a:rPr>
+              <a:t>nii</a:t>
+            </a:r>
+            <a:r>
+              <a:rPr lang="en-US" altLang="zh-TW" sz="1200" dirty="0" smtClean="0">
+                <a:solidFill>
+                  <a:schemeClr val="tx1"/>
+                </a:solidFill>
+              </a:rPr>
+              <a:t> info store in </a:t>
+            </a:r>
+            <a:r>
+              <a:rPr lang="en-US" altLang="zh-TW" sz="1200" dirty="0" err="1" smtClean="0">
+                <a:solidFill>
+                  <a:schemeClr val="tx1"/>
+                </a:solidFill>
+              </a:rPr>
+              <a:t>MRIinfo</a:t>
+            </a:r>
+            <a:endParaRPr lang="zh-TW" altLang="en-US" sz="1200" dirty="0">
+              <a:solidFill>
+                <a:srgbClr val="FF0000"/>
+              </a:solidFill>
+            </a:endParaRPr>
+          </a:p>
+        </p:txBody>
+      </p:sp>
+      <p:cxnSp>
+        <p:nvCxnSpPr>
+          <p:cNvPr id="39" name="直線單箭頭接點 38"/>
+          <p:cNvCxnSpPr>
+            <a:stCxn id="14" idx="2"/>
+            <a:endCxn id="41" idx="0"/>
+          </p:cNvCxnSpPr>
+          <p:nvPr/>
+        </p:nvCxnSpPr>
+        <p:spPr>
+          <a:xfrm flipH="1">
+            <a:off x="5525900" y="5144082"/>
+            <a:ext cx="401" cy="192820"/>
+          </a:xfrm>
+          <a:prstGeom prst="straightConnector1">
+            <a:avLst/>
+          </a:prstGeom>
+          <a:ln>
+            <a:tailEnd type="triangle"/>
+          </a:ln>
+        </p:spPr>
+        <p:style>
+          <a:lnRef idx="1">
+            <a:schemeClr val="dk1"/>
+          </a:lnRef>
+          <a:fillRef idx="0">
+            <a:schemeClr val="dk1"/>
+          </a:fillRef>
+          <a:effectRef idx="0">
+            <a:schemeClr val="dk1"/>
+          </a:effectRef>
+          <a:fontRef idx="minor">
+            <a:schemeClr val="tx1"/>
+          </a:fontRef>
+        </p:style>
+      </p:cxnSp>
+      <p:cxnSp>
+        <p:nvCxnSpPr>
+          <p:cNvPr id="43" name="直線單箭頭接點 42"/>
+          <p:cNvCxnSpPr>
+            <a:stCxn id="41" idx="2"/>
+            <a:endCxn id="15" idx="0"/>
+          </p:cNvCxnSpPr>
+          <p:nvPr/>
+        </p:nvCxnSpPr>
+        <p:spPr>
+          <a:xfrm>
+            <a:off x="5525900" y="5644324"/>
+            <a:ext cx="0" cy="152591"/>
+          </a:xfrm>
+          <a:prstGeom prst="straightConnector1">
+            <a:avLst/>
+          </a:prstGeom>
+          <a:ln>
+            <a:tailEnd type="triangle"/>
+          </a:ln>
+        </p:spPr>
+        <p:style>
+          <a:lnRef idx="1">
+            <a:schemeClr val="dk1"/>
+          </a:lnRef>
+          <a:fillRef idx="0">
+            <a:schemeClr val="dk1"/>
+          </a:fillRef>
+          <a:effectRef idx="0">
+            <a:schemeClr val="dk1"/>
+          </a:effectRef>
+          <a:fontRef idx="minor">
+            <a:schemeClr val="tx1"/>
+          </a:fontRef>
+        </p:style>
+      </p:cxnSp>
     </p:spTree>
     <p:extLst>
       <p:ext uri="{BB962C8B-B14F-4D97-AF65-F5344CB8AC3E}">
@@ -4617,290 +4820,6 @@
 </file>
 
 <file path=ppt/slides/slide5.xml><?xml version="1.0" encoding="utf-8"?>
-<p:sld xmlns:a="http://schemas.openxmlformats.org/drawingml/2006/main" xmlns:r="http://schemas.openxmlformats.org/officeDocument/2006/relationships" xmlns:p="http://schemas.openxmlformats.org/presentationml/2006/main">
-  <p:cSld>
-    <p:spTree>
-      <p:nvGrpSpPr>
-        <p:cNvPr id="1" name=""/>
-        <p:cNvGrpSpPr/>
-        <p:nvPr/>
-      </p:nvGrpSpPr>
-      <p:grpSpPr>
-        <a:xfrm>
-          <a:off x="0" y="0"/>
-          <a:ext cx="0" cy="0"/>
-          <a:chOff x="0" y="0"/>
-          <a:chExt cx="0" cy="0"/>
-        </a:xfrm>
-      </p:grpSpPr>
-      <p:pic>
-        <p:nvPicPr>
-          <p:cNvPr id="2" name="圖片 1"/>
-          <p:cNvPicPr>
-            <a:picLocks noChangeAspect="1"/>
-          </p:cNvPicPr>
-          <p:nvPr/>
-        </p:nvPicPr>
-        <p:blipFill>
-          <a:blip r:embed="rId2"/>
-          <a:stretch>
-            <a:fillRect/>
-          </a:stretch>
-        </p:blipFill>
-        <p:spPr>
-          <a:xfrm>
-            <a:off x="785071" y="2485893"/>
-            <a:ext cx="10621857" cy="1886213"/>
-          </a:xfrm>
-          <a:prstGeom prst="rect">
-            <a:avLst/>
-          </a:prstGeom>
-        </p:spPr>
-      </p:pic>
-      <p:sp>
-        <p:nvSpPr>
-          <p:cNvPr id="3" name="文字方塊 2"/>
-          <p:cNvSpPr txBox="1"/>
-          <p:nvPr/>
-        </p:nvSpPr>
-        <p:spPr>
-          <a:xfrm>
-            <a:off x="4554746" y="2889850"/>
-            <a:ext cx="1000659" cy="369332"/>
-          </a:xfrm>
-          <a:prstGeom prst="rect">
-            <a:avLst/>
-          </a:prstGeom>
-          <a:noFill/>
-        </p:spPr>
-        <p:txBody>
-          <a:bodyPr wrap="none" rtlCol="0">
-            <a:spAutoFit/>
-          </a:bodyPr>
-          <a:lstStyle/>
-          <a:p>
-            <a:r>
-              <a:rPr lang="en-US" altLang="zh-TW" dirty="0" smtClean="0"/>
-              <a:t>accuracy</a:t>
-            </a:r>
-            <a:endParaRPr lang="zh-TW" altLang="en-US" dirty="0"/>
-          </a:p>
-        </p:txBody>
-      </p:sp>
-      <p:sp>
-        <p:nvSpPr>
-          <p:cNvPr id="4" name="文字方塊 3"/>
-          <p:cNvSpPr txBox="1"/>
-          <p:nvPr/>
-        </p:nvSpPr>
-        <p:spPr>
-          <a:xfrm>
-            <a:off x="10046897" y="2889850"/>
-            <a:ext cx="1097545" cy="369332"/>
-          </a:xfrm>
-          <a:prstGeom prst="rect">
-            <a:avLst/>
-          </a:prstGeom>
-          <a:noFill/>
-        </p:spPr>
-        <p:txBody>
-          <a:bodyPr wrap="none" rtlCol="0">
-            <a:spAutoFit/>
-          </a:bodyPr>
-          <a:lstStyle/>
-          <a:p>
-            <a:r>
-              <a:rPr lang="en-US" altLang="zh-TW" dirty="0" err="1" smtClean="0"/>
-              <a:t>RespTime</a:t>
-            </a:r>
-            <a:endParaRPr lang="zh-TW" altLang="en-US" dirty="0"/>
-          </a:p>
-        </p:txBody>
-      </p:sp>
-      <p:sp>
-        <p:nvSpPr>
-          <p:cNvPr id="5" name="文字方塊 4"/>
-          <p:cNvSpPr txBox="1"/>
-          <p:nvPr/>
-        </p:nvSpPr>
-        <p:spPr>
-          <a:xfrm>
-            <a:off x="10693271" y="3663139"/>
-            <a:ext cx="713657" cy="646331"/>
-          </a:xfrm>
-          <a:prstGeom prst="rect">
-            <a:avLst/>
-          </a:prstGeom>
-          <a:noFill/>
-        </p:spPr>
-        <p:txBody>
-          <a:bodyPr wrap="none" rtlCol="0">
-            <a:spAutoFit/>
-          </a:bodyPr>
-          <a:lstStyle/>
-          <a:p>
-            <a:r>
-              <a:rPr lang="en-US" altLang="zh-TW" dirty="0" smtClean="0"/>
-              <a:t>X1 : C</a:t>
-            </a:r>
-          </a:p>
-          <a:p>
-            <a:r>
-              <a:rPr lang="en-US" altLang="zh-TW" dirty="0" smtClean="0"/>
-              <a:t>X2 : F</a:t>
-            </a:r>
-            <a:endParaRPr lang="zh-TW" altLang="en-US" dirty="0"/>
-          </a:p>
-        </p:txBody>
-      </p:sp>
-    </p:spTree>
-    <p:extLst>
-      <p:ext uri="{BB962C8B-B14F-4D97-AF65-F5344CB8AC3E}">
-        <p14:creationId xmlns:p14="http://schemas.microsoft.com/office/powerpoint/2010/main" val="103810358"/>
-      </p:ext>
-    </p:extLst>
-  </p:cSld>
-  <p:clrMapOvr>
-    <a:masterClrMapping/>
-  </p:clrMapOvr>
-  <p:timing>
-    <p:tnLst>
-      <p:par>
-        <p:cTn id="1" dur="indefinite" restart="never" nodeType="tmRoot"/>
-      </p:par>
-    </p:tnLst>
-  </p:timing>
-</p:sld>
-</file>
-
-<file path=ppt/slides/slide6.xml><?xml version="1.0" encoding="utf-8"?>
-<p:sld xmlns:a="http://schemas.openxmlformats.org/drawingml/2006/main" xmlns:r="http://schemas.openxmlformats.org/officeDocument/2006/relationships" xmlns:p="http://schemas.openxmlformats.org/presentationml/2006/main">
-  <p:cSld>
-    <p:spTree>
-      <p:nvGrpSpPr>
-        <p:cNvPr id="1" name=""/>
-        <p:cNvGrpSpPr/>
-        <p:nvPr/>
-      </p:nvGrpSpPr>
-      <p:grpSpPr>
-        <a:xfrm>
-          <a:off x="0" y="0"/>
-          <a:ext cx="0" cy="0"/>
-          <a:chOff x="0" y="0"/>
-          <a:chExt cx="0" cy="0"/>
-        </a:xfrm>
-      </p:grpSpPr>
-      <p:pic>
-        <p:nvPicPr>
-          <p:cNvPr id="7" name="圖片 6"/>
-          <p:cNvPicPr>
-            <a:picLocks noChangeAspect="1"/>
-          </p:cNvPicPr>
-          <p:nvPr/>
-        </p:nvPicPr>
-        <p:blipFill>
-          <a:blip r:embed="rId2">
-            <a:extLst>
-              <a:ext uri="{28A0092B-C50C-407E-A947-70E740481C1C}">
-                <a14:useLocalDpi xmlns:a14="http://schemas.microsoft.com/office/drawing/2010/main" val="0"/>
-              </a:ext>
-            </a:extLst>
-          </a:blip>
-          <a:stretch>
-            <a:fillRect/>
-          </a:stretch>
-        </p:blipFill>
-        <p:spPr>
-          <a:xfrm>
-            <a:off x="5971672" y="1928060"/>
-            <a:ext cx="5334000" cy="4000500"/>
-          </a:xfrm>
-          <a:prstGeom prst="rect">
-            <a:avLst/>
-          </a:prstGeom>
-        </p:spPr>
-      </p:pic>
-      <p:pic>
-        <p:nvPicPr>
-          <p:cNvPr id="9" name="圖片 8"/>
-          <p:cNvPicPr>
-            <a:picLocks noChangeAspect="1"/>
-          </p:cNvPicPr>
-          <p:nvPr/>
-        </p:nvPicPr>
-        <p:blipFill>
-          <a:blip r:embed="rId2">
-            <a:extLst>
-              <a:ext uri="{28A0092B-C50C-407E-A947-70E740481C1C}">
-                <a14:useLocalDpi xmlns:a14="http://schemas.microsoft.com/office/drawing/2010/main" val="0"/>
-              </a:ext>
-            </a:extLst>
-          </a:blip>
-          <a:stretch>
-            <a:fillRect/>
-          </a:stretch>
-        </p:blipFill>
-        <p:spPr>
-          <a:xfrm>
-            <a:off x="5995736" y="1922044"/>
-            <a:ext cx="5334000" cy="4000500"/>
-          </a:xfrm>
-          <a:prstGeom prst="rect">
-            <a:avLst/>
-          </a:prstGeom>
-        </p:spPr>
-      </p:pic>
-      <p:pic>
-        <p:nvPicPr>
-          <p:cNvPr id="10" name="圖片 9"/>
-          <p:cNvPicPr>
-            <a:picLocks noChangeAspect="1"/>
-          </p:cNvPicPr>
-          <p:nvPr/>
-        </p:nvPicPr>
-        <p:blipFill>
-          <a:blip r:embed="rId3">
-            <a:extLst>
-              <a:ext uri="{28A0092B-C50C-407E-A947-70E740481C1C}">
-                <a14:useLocalDpi xmlns:a14="http://schemas.microsoft.com/office/drawing/2010/main" val="0"/>
-              </a:ext>
-            </a:extLst>
-          </a:blip>
-          <a:stretch>
-            <a:fillRect/>
-          </a:stretch>
-        </p:blipFill>
-        <p:spPr>
-          <a:xfrm>
-            <a:off x="661736" y="1922044"/>
-            <a:ext cx="5334000" cy="4000500"/>
-          </a:xfrm>
-          <a:prstGeom prst="rect">
-            <a:avLst/>
-          </a:prstGeom>
-        </p:spPr>
-      </p:pic>
-    </p:spTree>
-    <p:extLst>
-      <p:ext uri="{BB962C8B-B14F-4D97-AF65-F5344CB8AC3E}">
-        <p14:creationId xmlns:p14="http://schemas.microsoft.com/office/powerpoint/2010/main" val="3736022907"/>
-      </p:ext>
-    </p:extLst>
-  </p:cSld>
-  <p:clrMapOvr>
-    <a:masterClrMapping/>
-  </p:clrMapOvr>
-  <p:timing>
-    <p:tnLst>
-      <p:par>
-        <p:cTn id="1" dur="indefinite" restart="never" nodeType="tmRoot"/>
-      </p:par>
-    </p:tnLst>
-  </p:timing>
-</p:sld>
-</file>
-
-<file path=ppt/slides/slide7.xml><?xml version="1.0" encoding="utf-8"?>
 <p:sld xmlns:a="http://schemas.openxmlformats.org/drawingml/2006/main" xmlns:r="http://schemas.openxmlformats.org/officeDocument/2006/relationships" xmlns:p="http://schemas.openxmlformats.org/presentationml/2006/main">
   <p:cSld>
     <p:spTree>
@@ -5567,6 +5486,993 @@
   <p:clrMapOvr>
     <a:masterClrMapping/>
   </p:clrMapOvr>
+</p:sld>
+</file>
+
+<file path=ppt/slides/slide6.xml><?xml version="1.0" encoding="utf-8"?>
+<p:sld xmlns:a="http://schemas.openxmlformats.org/drawingml/2006/main" xmlns:r="http://schemas.openxmlformats.org/officeDocument/2006/relationships" xmlns:p="http://schemas.openxmlformats.org/presentationml/2006/main">
+  <p:cSld>
+    <p:spTree>
+      <p:nvGrpSpPr>
+        <p:cNvPr id="1" name=""/>
+        <p:cNvGrpSpPr/>
+        <p:nvPr/>
+      </p:nvGrpSpPr>
+      <p:grpSpPr>
+        <a:xfrm>
+          <a:off x="0" y="0"/>
+          <a:ext cx="0" cy="0"/>
+          <a:chOff x="0" y="0"/>
+          <a:chExt cx="0" cy="0"/>
+        </a:xfrm>
+      </p:grpSpPr>
+      <p:pic>
+        <p:nvPicPr>
+          <p:cNvPr id="25" name="圖片 24"/>
+          <p:cNvPicPr>
+            <a:picLocks noChangeAspect="1"/>
+          </p:cNvPicPr>
+          <p:nvPr/>
+        </p:nvPicPr>
+        <p:blipFill>
+          <a:blip r:embed="rId2"/>
+          <a:stretch>
+            <a:fillRect/>
+          </a:stretch>
+        </p:blipFill>
+        <p:spPr>
+          <a:xfrm>
+            <a:off x="4593055" y="3646013"/>
+            <a:ext cx="2917843" cy="2255476"/>
+          </a:xfrm>
+          <a:prstGeom prst="rect">
+            <a:avLst/>
+          </a:prstGeom>
+        </p:spPr>
+      </p:pic>
+      <p:pic>
+        <p:nvPicPr>
+          <p:cNvPr id="23" name="圖片 22"/>
+          <p:cNvPicPr>
+            <a:picLocks noChangeAspect="1"/>
+          </p:cNvPicPr>
+          <p:nvPr/>
+        </p:nvPicPr>
+        <p:blipFill>
+          <a:blip r:embed="rId3"/>
+          <a:stretch>
+            <a:fillRect/>
+          </a:stretch>
+        </p:blipFill>
+        <p:spPr>
+          <a:xfrm>
+            <a:off x="1540585" y="1034715"/>
+            <a:ext cx="2992754" cy="4866774"/>
+          </a:xfrm>
+          <a:prstGeom prst="rect">
+            <a:avLst/>
+          </a:prstGeom>
+        </p:spPr>
+      </p:pic>
+      <p:sp>
+        <p:nvSpPr>
+          <p:cNvPr id="6" name="矩形 5"/>
+          <p:cNvSpPr/>
+          <p:nvPr/>
+        </p:nvSpPr>
+        <p:spPr>
+          <a:xfrm>
+            <a:off x="1600601" y="1221205"/>
+            <a:ext cx="2872722" cy="2340142"/>
+          </a:xfrm>
+          <a:prstGeom prst="rect">
+            <a:avLst/>
+          </a:prstGeom>
+          <a:noFill/>
+          <a:ln w="9525" cap="flat" cmpd="sng" algn="ctr">
+            <a:solidFill>
+              <a:srgbClr val="FF0000"/>
+            </a:solidFill>
+            <a:prstDash val="solid"/>
+            <a:round/>
+            <a:headEnd type="none" w="med" len="med"/>
+            <a:tailEnd type="none" w="med" len="med"/>
+          </a:ln>
+        </p:spPr>
+        <p:style>
+          <a:lnRef idx="0">
+            <a:scrgbClr r="0" g="0" b="0"/>
+          </a:lnRef>
+          <a:fillRef idx="0">
+            <a:scrgbClr r="0" g="0" b="0"/>
+          </a:fillRef>
+          <a:effectRef idx="0">
+            <a:scrgbClr r="0" g="0" b="0"/>
+          </a:effectRef>
+          <a:fontRef idx="minor">
+            <a:schemeClr val="dk1"/>
+          </a:fontRef>
+        </p:style>
+        <p:txBody>
+          <a:bodyPr rtlCol="0" anchor="ctr"/>
+          <a:lstStyle/>
+          <a:p>
+            <a:pPr algn="ctr"/>
+            <a:endParaRPr lang="zh-TW" altLang="en-US"/>
+          </a:p>
+        </p:txBody>
+      </p:sp>
+      <p:cxnSp>
+        <p:nvCxnSpPr>
+          <p:cNvPr id="8" name="直線單箭頭接點 7"/>
+          <p:cNvCxnSpPr/>
+          <p:nvPr/>
+        </p:nvCxnSpPr>
+        <p:spPr>
+          <a:xfrm>
+            <a:off x="4277226" y="1455821"/>
+            <a:ext cx="631658" cy="0"/>
+          </a:xfrm>
+          <a:prstGeom prst="straightConnector1">
+            <a:avLst/>
+          </a:prstGeom>
+          <a:ln>
+            <a:tailEnd type="triangle"/>
+          </a:ln>
+        </p:spPr>
+        <p:style>
+          <a:lnRef idx="1">
+            <a:schemeClr val="dk1"/>
+          </a:lnRef>
+          <a:fillRef idx="0">
+            <a:schemeClr val="dk1"/>
+          </a:fillRef>
+          <a:effectRef idx="0">
+            <a:schemeClr val="dk1"/>
+          </a:effectRef>
+          <a:fontRef idx="minor">
+            <a:schemeClr val="tx1"/>
+          </a:fontRef>
+        </p:style>
+      </p:cxnSp>
+      <p:sp>
+        <p:nvSpPr>
+          <p:cNvPr id="9" name="文字方塊 8"/>
+          <p:cNvSpPr txBox="1"/>
+          <p:nvPr/>
+        </p:nvSpPr>
+        <p:spPr>
+          <a:xfrm>
+            <a:off x="4908884" y="1332710"/>
+            <a:ext cx="3541354" cy="246221"/>
+          </a:xfrm>
+          <a:prstGeom prst="rect">
+            <a:avLst/>
+          </a:prstGeom>
+          <a:noFill/>
+        </p:spPr>
+        <p:txBody>
+          <a:bodyPr wrap="none" rtlCol="0">
+            <a:spAutoFit/>
+          </a:bodyPr>
+          <a:lstStyle/>
+          <a:p>
+            <a:r>
+              <a:rPr lang="zh-TW" altLang="en-US" sz="1000" dirty="0" smtClean="0"/>
+              <a:t>確認資料路徑對不對</a:t>
+            </a:r>
+            <a:r>
+              <a:rPr lang="en-US" altLang="zh-TW" sz="1000" dirty="0" smtClean="0"/>
+              <a:t>(</a:t>
+            </a:r>
+            <a:r>
+              <a:rPr lang="en-US" altLang="zh-TW" sz="1000" dirty="0" err="1" smtClean="0"/>
+              <a:t>rawdata</a:t>
+            </a:r>
+            <a:r>
+              <a:rPr lang="en-US" altLang="zh-TW" sz="1000" dirty="0" smtClean="0"/>
+              <a:t> .IMA file)</a:t>
+            </a:r>
+            <a:r>
+              <a:rPr lang="zh-TW" altLang="en-US" sz="800" dirty="0"/>
+              <a:t>第一層應該要是受試者</a:t>
+            </a:r>
+            <a:r>
+              <a:rPr lang="zh-TW" altLang="en-US" sz="800" dirty="0" smtClean="0"/>
+              <a:t>編號</a:t>
+            </a:r>
+            <a:endParaRPr lang="zh-TW" altLang="en-US" sz="800" dirty="0"/>
+          </a:p>
+        </p:txBody>
+      </p:sp>
+      <p:sp>
+        <p:nvSpPr>
+          <p:cNvPr id="10" name="文字方塊 9"/>
+          <p:cNvSpPr txBox="1"/>
+          <p:nvPr/>
+        </p:nvSpPr>
+        <p:spPr>
+          <a:xfrm>
+            <a:off x="6224949" y="1578931"/>
+            <a:ext cx="994183" cy="246221"/>
+          </a:xfrm>
+          <a:prstGeom prst="rect">
+            <a:avLst/>
+          </a:prstGeom>
+          <a:noFill/>
+        </p:spPr>
+        <p:txBody>
+          <a:bodyPr wrap="none" rtlCol="0">
+            <a:spAutoFit/>
+          </a:bodyPr>
+          <a:lstStyle/>
+          <a:p>
+            <a:r>
+              <a:rPr lang="en-US" altLang="zh-TW" sz="1000" dirty="0" smtClean="0"/>
+              <a:t>(</a:t>
+            </a:r>
+            <a:r>
+              <a:rPr lang="en-US" altLang="zh-TW" sz="1000" dirty="0" err="1" smtClean="0"/>
+              <a:t>niidata</a:t>
+            </a:r>
+            <a:r>
+              <a:rPr lang="en-US" altLang="zh-TW" sz="1000" dirty="0" smtClean="0"/>
+              <a:t> .</a:t>
+            </a:r>
+            <a:r>
+              <a:rPr lang="en-US" altLang="zh-TW" sz="1000" dirty="0" err="1" smtClean="0"/>
+              <a:t>nii</a:t>
+            </a:r>
+            <a:r>
+              <a:rPr lang="en-US" altLang="zh-TW" sz="1000" dirty="0" smtClean="0"/>
+              <a:t> file)</a:t>
+            </a:r>
+            <a:endParaRPr lang="zh-TW" altLang="en-US" sz="1000" dirty="0"/>
+          </a:p>
+        </p:txBody>
+      </p:sp>
+      <p:cxnSp>
+        <p:nvCxnSpPr>
+          <p:cNvPr id="12" name="直線單箭頭接點 11"/>
+          <p:cNvCxnSpPr>
+            <a:endCxn id="10" idx="1"/>
+          </p:cNvCxnSpPr>
+          <p:nvPr/>
+        </p:nvCxnSpPr>
+        <p:spPr>
+          <a:xfrm>
+            <a:off x="4301289" y="1578931"/>
+            <a:ext cx="1923660" cy="123111"/>
+          </a:xfrm>
+          <a:prstGeom prst="straightConnector1">
+            <a:avLst/>
+          </a:prstGeom>
+          <a:ln>
+            <a:tailEnd type="triangle"/>
+          </a:ln>
+        </p:spPr>
+        <p:style>
+          <a:lnRef idx="1">
+            <a:schemeClr val="dk1"/>
+          </a:lnRef>
+          <a:fillRef idx="0">
+            <a:schemeClr val="dk1"/>
+          </a:fillRef>
+          <a:effectRef idx="0">
+            <a:schemeClr val="dk1"/>
+          </a:effectRef>
+          <a:fontRef idx="minor">
+            <a:schemeClr val="tx1"/>
+          </a:fontRef>
+        </p:style>
+      </p:cxnSp>
+      <p:cxnSp>
+        <p:nvCxnSpPr>
+          <p:cNvPr id="14" name="直線單箭頭接點 13"/>
+          <p:cNvCxnSpPr>
+            <a:endCxn id="15" idx="0"/>
+          </p:cNvCxnSpPr>
+          <p:nvPr/>
+        </p:nvCxnSpPr>
+        <p:spPr>
+          <a:xfrm flipH="1">
+            <a:off x="899561" y="2550695"/>
+            <a:ext cx="857050" cy="153342"/>
+          </a:xfrm>
+          <a:prstGeom prst="straightConnector1">
+            <a:avLst/>
+          </a:prstGeom>
+          <a:ln>
+            <a:tailEnd type="triangle"/>
+          </a:ln>
+        </p:spPr>
+        <p:style>
+          <a:lnRef idx="1">
+            <a:schemeClr val="dk1"/>
+          </a:lnRef>
+          <a:fillRef idx="0">
+            <a:schemeClr val="dk1"/>
+          </a:fillRef>
+          <a:effectRef idx="0">
+            <a:schemeClr val="dk1"/>
+          </a:effectRef>
+          <a:fontRef idx="minor">
+            <a:schemeClr val="tx1"/>
+          </a:fontRef>
+        </p:style>
+      </p:cxnSp>
+      <p:sp>
+        <p:nvSpPr>
+          <p:cNvPr id="15" name="文字方塊 14"/>
+          <p:cNvSpPr txBox="1"/>
+          <p:nvPr/>
+        </p:nvSpPr>
+        <p:spPr>
+          <a:xfrm>
+            <a:off x="198521" y="2704037"/>
+            <a:ext cx="1402080" cy="400110"/>
+          </a:xfrm>
+          <a:prstGeom prst="rect">
+            <a:avLst/>
+          </a:prstGeom>
+          <a:noFill/>
+        </p:spPr>
+        <p:txBody>
+          <a:bodyPr wrap="square" rtlCol="0">
+            <a:spAutoFit/>
+          </a:bodyPr>
+          <a:lstStyle/>
+          <a:p>
+            <a:r>
+              <a:rPr lang="zh-TW" altLang="en-US" sz="1000" dirty="0" smtClean="0"/>
+              <a:t>根據路徑裡的名字，找到包含</a:t>
+            </a:r>
+            <a:r>
+              <a:rPr lang="en-US" altLang="zh-TW" sz="1000" dirty="0" smtClean="0"/>
+              <a:t>SUB</a:t>
+            </a:r>
+            <a:r>
+              <a:rPr lang="zh-TW" altLang="en-US" sz="1000" dirty="0" smtClean="0"/>
+              <a:t>名字</a:t>
+            </a:r>
+            <a:endParaRPr lang="en-US" altLang="zh-TW" sz="1000" dirty="0" smtClean="0"/>
+          </a:p>
+        </p:txBody>
+      </p:sp>
+      <p:sp>
+        <p:nvSpPr>
+          <p:cNvPr id="18" name="文字方塊 17"/>
+          <p:cNvSpPr txBox="1"/>
+          <p:nvPr/>
+        </p:nvSpPr>
+        <p:spPr>
+          <a:xfrm>
+            <a:off x="2087479" y="1825152"/>
+            <a:ext cx="1430200" cy="215444"/>
+          </a:xfrm>
+          <a:prstGeom prst="rect">
+            <a:avLst/>
+          </a:prstGeom>
+          <a:noFill/>
+        </p:spPr>
+        <p:txBody>
+          <a:bodyPr wrap="none" rtlCol="0">
+            <a:spAutoFit/>
+          </a:bodyPr>
+          <a:lstStyle/>
+          <a:p>
+            <a:r>
+              <a:rPr lang="zh-TW" altLang="en-US" sz="800" dirty="0" smtClean="0"/>
+              <a:t>根據自己定義的</a:t>
+            </a:r>
+            <a:r>
+              <a:rPr lang="en-US" altLang="zh-TW" sz="800" dirty="0" err="1" smtClean="0"/>
+              <a:t>sess</a:t>
+            </a:r>
+            <a:r>
+              <a:rPr lang="zh-TW" altLang="en-US" sz="800" dirty="0" smtClean="0"/>
+              <a:t>跟</a:t>
+            </a:r>
+            <a:r>
+              <a:rPr lang="en-US" altLang="zh-TW" sz="800" dirty="0" smtClean="0"/>
+              <a:t>round</a:t>
+            </a:r>
+            <a:endParaRPr lang="zh-TW" altLang="en-US" sz="800" dirty="0"/>
+          </a:p>
+        </p:txBody>
+      </p:sp>
+      <p:cxnSp>
+        <p:nvCxnSpPr>
+          <p:cNvPr id="20" name="直線單箭頭接點 19"/>
+          <p:cNvCxnSpPr/>
+          <p:nvPr/>
+        </p:nvCxnSpPr>
+        <p:spPr>
+          <a:xfrm flipH="1" flipV="1">
+            <a:off x="2815389" y="2051384"/>
+            <a:ext cx="156411" cy="391027"/>
+          </a:xfrm>
+          <a:prstGeom prst="straightConnector1">
+            <a:avLst/>
+          </a:prstGeom>
+          <a:ln>
+            <a:tailEnd type="triangle"/>
+          </a:ln>
+        </p:spPr>
+        <p:style>
+          <a:lnRef idx="1">
+            <a:schemeClr val="dk1"/>
+          </a:lnRef>
+          <a:fillRef idx="0">
+            <a:schemeClr val="dk1"/>
+          </a:fillRef>
+          <a:effectRef idx="0">
+            <a:schemeClr val="dk1"/>
+          </a:effectRef>
+          <a:fontRef idx="minor">
+            <a:schemeClr val="tx1"/>
+          </a:fontRef>
+        </p:style>
+      </p:cxnSp>
+      <p:cxnSp>
+        <p:nvCxnSpPr>
+          <p:cNvPr id="22" name="直線單箭頭接點 21"/>
+          <p:cNvCxnSpPr/>
+          <p:nvPr/>
+        </p:nvCxnSpPr>
+        <p:spPr>
+          <a:xfrm flipV="1">
+            <a:off x="2514600" y="2040596"/>
+            <a:ext cx="287979" cy="401815"/>
+          </a:xfrm>
+          <a:prstGeom prst="straightConnector1">
+            <a:avLst/>
+          </a:prstGeom>
+          <a:ln>
+            <a:tailEnd type="triangle"/>
+          </a:ln>
+        </p:spPr>
+        <p:style>
+          <a:lnRef idx="1">
+            <a:schemeClr val="dk1"/>
+          </a:lnRef>
+          <a:fillRef idx="0">
+            <a:schemeClr val="dk1"/>
+          </a:fillRef>
+          <a:effectRef idx="0">
+            <a:schemeClr val="dk1"/>
+          </a:effectRef>
+          <a:fontRef idx="minor">
+            <a:schemeClr val="tx1"/>
+          </a:fontRef>
+        </p:style>
+      </p:cxnSp>
+      <p:sp>
+        <p:nvSpPr>
+          <p:cNvPr id="24" name="文字方塊 23"/>
+          <p:cNvSpPr txBox="1"/>
+          <p:nvPr/>
+        </p:nvSpPr>
+        <p:spPr>
+          <a:xfrm>
+            <a:off x="4640084" y="4164690"/>
+            <a:ext cx="1246070" cy="507831"/>
+          </a:xfrm>
+          <a:prstGeom prst="rect">
+            <a:avLst/>
+          </a:prstGeom>
+          <a:noFill/>
+        </p:spPr>
+        <p:txBody>
+          <a:bodyPr wrap="square" rtlCol="0">
+            <a:spAutoFit/>
+          </a:bodyPr>
+          <a:lstStyle/>
+          <a:p>
+            <a:r>
+              <a:rPr lang="zh-TW" altLang="en-US" sz="900" dirty="0" smtClean="0"/>
+              <a:t>確定流程 點下去會根據需要的參數去顯示</a:t>
+            </a:r>
+            <a:r>
+              <a:rPr lang="zh-TW" altLang="en-US" sz="900" dirty="0"/>
+              <a:t>需要檢查</a:t>
+            </a:r>
+            <a:r>
+              <a:rPr lang="zh-TW" altLang="en-US" sz="900" dirty="0" smtClean="0"/>
+              <a:t>的參數</a:t>
+            </a:r>
+          </a:p>
+        </p:txBody>
+      </p:sp>
+      <p:cxnSp>
+        <p:nvCxnSpPr>
+          <p:cNvPr id="27" name="直線單箭頭接點 26"/>
+          <p:cNvCxnSpPr/>
+          <p:nvPr/>
+        </p:nvCxnSpPr>
+        <p:spPr>
+          <a:xfrm flipV="1">
+            <a:off x="4908884" y="4672521"/>
+            <a:ext cx="132348" cy="248395"/>
+          </a:xfrm>
+          <a:prstGeom prst="straightConnector1">
+            <a:avLst/>
+          </a:prstGeom>
+          <a:ln>
+            <a:tailEnd type="triangle"/>
+          </a:ln>
+        </p:spPr>
+        <p:style>
+          <a:lnRef idx="1">
+            <a:schemeClr val="dk1"/>
+          </a:lnRef>
+          <a:fillRef idx="0">
+            <a:schemeClr val="dk1"/>
+          </a:fillRef>
+          <a:effectRef idx="0">
+            <a:schemeClr val="dk1"/>
+          </a:effectRef>
+          <a:fontRef idx="minor">
+            <a:schemeClr val="tx1"/>
+          </a:fontRef>
+        </p:style>
+      </p:cxnSp>
+      <p:sp>
+        <p:nvSpPr>
+          <p:cNvPr id="28" name="文字方塊 27"/>
+          <p:cNvSpPr txBox="1"/>
+          <p:nvPr/>
+        </p:nvSpPr>
+        <p:spPr>
+          <a:xfrm>
+            <a:off x="7730378" y="3561347"/>
+            <a:ext cx="1439720" cy="646331"/>
+          </a:xfrm>
+          <a:prstGeom prst="rect">
+            <a:avLst/>
+          </a:prstGeom>
+          <a:noFill/>
+        </p:spPr>
+        <p:txBody>
+          <a:bodyPr wrap="square" rtlCol="0">
+            <a:spAutoFit/>
+          </a:bodyPr>
+          <a:lstStyle/>
+          <a:p>
+            <a:r>
+              <a:rPr lang="zh-TW" altLang="en-US" sz="900" dirty="0">
+                <a:solidFill>
+                  <a:srgbClr val="FF0000"/>
+                </a:solidFill>
+              </a:rPr>
+              <a:t>目前</a:t>
+            </a:r>
+            <a:r>
+              <a:rPr lang="en-US" altLang="zh-TW" sz="900" dirty="0">
+                <a:solidFill>
+                  <a:srgbClr val="FF0000"/>
+                </a:solidFill>
+              </a:rPr>
+              <a:t>2nd level </a:t>
+            </a:r>
+            <a:r>
+              <a:rPr lang="zh-TW" altLang="en-US" sz="900" dirty="0" smtClean="0">
+                <a:solidFill>
+                  <a:srgbClr val="FF0000"/>
+                </a:solidFill>
+              </a:rPr>
+              <a:t>的</a:t>
+            </a:r>
+            <a:r>
+              <a:rPr lang="en-US" altLang="zh-TW" sz="900" dirty="0" smtClean="0">
+                <a:solidFill>
+                  <a:srgbClr val="FF0000"/>
+                </a:solidFill>
+              </a:rPr>
+              <a:t>contrast</a:t>
+            </a:r>
+            <a:r>
+              <a:rPr lang="zh-TW" altLang="en-US" sz="900" dirty="0" smtClean="0">
+                <a:solidFill>
+                  <a:srgbClr val="FF0000"/>
+                </a:solidFill>
+              </a:rPr>
+              <a:t>沒有寫好，所以不會顯示在這，要從</a:t>
+            </a:r>
+            <a:r>
+              <a:rPr lang="en-US" altLang="zh-TW" sz="900" dirty="0" smtClean="0">
+                <a:solidFill>
+                  <a:srgbClr val="FF0000"/>
+                </a:solidFill>
+              </a:rPr>
+              <a:t>script</a:t>
+            </a:r>
+            <a:r>
+              <a:rPr lang="zh-TW" altLang="en-US" sz="900" dirty="0" smtClean="0">
+                <a:solidFill>
+                  <a:srgbClr val="FF0000"/>
+                </a:solidFill>
+              </a:rPr>
+              <a:t>確認，這兩個變數</a:t>
+            </a:r>
+            <a:endParaRPr lang="en-US" altLang="zh-TW" sz="900" dirty="0"/>
+          </a:p>
+        </p:txBody>
+      </p:sp>
+      <p:pic>
+        <p:nvPicPr>
+          <p:cNvPr id="29" name="圖片 28"/>
+          <p:cNvPicPr>
+            <a:picLocks noChangeAspect="1"/>
+          </p:cNvPicPr>
+          <p:nvPr/>
+        </p:nvPicPr>
+        <p:blipFill rotWithShape="1">
+          <a:blip r:embed="rId4"/>
+          <a:srcRect l="3645" r="35477"/>
+          <a:stretch/>
+        </p:blipFill>
+        <p:spPr>
+          <a:xfrm>
+            <a:off x="7686233" y="4253771"/>
+            <a:ext cx="3384881" cy="329668"/>
+          </a:xfrm>
+          <a:prstGeom prst="rect">
+            <a:avLst/>
+          </a:prstGeom>
+        </p:spPr>
+      </p:pic>
+      <p:cxnSp>
+        <p:nvCxnSpPr>
+          <p:cNvPr id="31" name="直線單箭頭接點 30"/>
+          <p:cNvCxnSpPr>
+            <a:stCxn id="28" idx="2"/>
+            <a:endCxn id="29" idx="0"/>
+          </p:cNvCxnSpPr>
+          <p:nvPr/>
+        </p:nvCxnSpPr>
+        <p:spPr>
+          <a:xfrm>
+            <a:off x="8450238" y="4207678"/>
+            <a:ext cx="928436" cy="46093"/>
+          </a:xfrm>
+          <a:prstGeom prst="straightConnector1">
+            <a:avLst/>
+          </a:prstGeom>
+          <a:ln>
+            <a:tailEnd type="triangle"/>
+          </a:ln>
+        </p:spPr>
+        <p:style>
+          <a:lnRef idx="1">
+            <a:schemeClr val="dk1"/>
+          </a:lnRef>
+          <a:fillRef idx="0">
+            <a:schemeClr val="dk1"/>
+          </a:fillRef>
+          <a:effectRef idx="0">
+            <a:schemeClr val="dk1"/>
+          </a:effectRef>
+          <a:fontRef idx="minor">
+            <a:schemeClr val="tx1"/>
+          </a:fontRef>
+        </p:style>
+      </p:cxnSp>
+      <p:sp>
+        <p:nvSpPr>
+          <p:cNvPr id="35" name="矩形 34"/>
+          <p:cNvSpPr/>
+          <p:nvPr/>
+        </p:nvSpPr>
+        <p:spPr>
+          <a:xfrm>
+            <a:off x="9107434" y="3561347"/>
+            <a:ext cx="3084566" cy="707886"/>
+          </a:xfrm>
+          <a:prstGeom prst="rect">
+            <a:avLst/>
+          </a:prstGeom>
+        </p:spPr>
+        <p:txBody>
+          <a:bodyPr wrap="square">
+            <a:spAutoFit/>
+          </a:bodyPr>
+          <a:lstStyle/>
+          <a:p>
+            <a:r>
+              <a:rPr lang="zh-TW" altLang="en-US" sz="1000" dirty="0"/>
+              <a:t>格式</a:t>
+            </a:r>
+            <a:r>
+              <a:rPr lang="en-US" altLang="zh-TW" sz="1000" dirty="0"/>
+              <a:t>:cell</a:t>
+            </a:r>
+            <a:r>
+              <a:rPr lang="zh-TW" altLang="en-US" sz="1000" dirty="0"/>
+              <a:t>裡的</a:t>
+            </a:r>
+            <a:r>
+              <a:rPr lang="en-US" altLang="zh-TW" sz="1000" dirty="0"/>
+              <a:t>cell</a:t>
+            </a:r>
+            <a:r>
+              <a:rPr lang="zh-TW" altLang="en-US" sz="1000" dirty="0"/>
+              <a:t>是一組</a:t>
+            </a:r>
+            <a:r>
+              <a:rPr lang="en-US" altLang="zh-TW" sz="1000" dirty="0" smtClean="0"/>
+              <a:t>contrast</a:t>
+            </a:r>
+          </a:p>
+          <a:p>
+            <a:r>
+              <a:rPr lang="en-US" altLang="zh-TW" sz="1000" dirty="0" smtClean="0"/>
+              <a:t>Ex: </a:t>
+            </a:r>
+            <a:r>
+              <a:rPr lang="zh-TW" altLang="en-US" sz="1000" dirty="0" smtClean="0"/>
+              <a:t>有兩組</a:t>
+            </a:r>
+            <a:r>
+              <a:rPr lang="en-US" altLang="zh-TW" sz="1000" dirty="0" smtClean="0"/>
+              <a:t>contrast,</a:t>
+            </a:r>
+            <a:r>
+              <a:rPr lang="zh-TW" altLang="en-US" sz="1000" dirty="0"/>
+              <a:t> </a:t>
+            </a:r>
+            <a:r>
+              <a:rPr lang="en-US" altLang="zh-TW" sz="1000" dirty="0" err="1" smtClean="0"/>
+              <a:t>Allsubject</a:t>
+            </a:r>
+            <a:r>
+              <a:rPr lang="en-US" altLang="zh-TW" sz="1000" dirty="0" smtClean="0"/>
+              <a:t> </a:t>
+            </a:r>
+            <a:r>
+              <a:rPr lang="zh-TW" altLang="en-US" sz="1000" dirty="0" smtClean="0"/>
+              <a:t>以及 </a:t>
+            </a:r>
+            <a:r>
+              <a:rPr lang="en-US" altLang="zh-TW" sz="1000" dirty="0" err="1" smtClean="0"/>
+              <a:t>Allsubject</a:t>
+            </a:r>
+            <a:r>
+              <a:rPr lang="en-US" altLang="zh-TW" sz="1000" dirty="0" smtClean="0"/>
+              <a:t> , Age</a:t>
+            </a:r>
+          </a:p>
+          <a:p>
+            <a:r>
+              <a:rPr lang="en-US" altLang="zh-TW" sz="1000" dirty="0" err="1"/>
+              <a:t>s</a:t>
+            </a:r>
+            <a:r>
+              <a:rPr lang="en-US" altLang="zh-TW" sz="1000" dirty="0" err="1" smtClean="0"/>
+              <a:t>ub_effect</a:t>
+            </a:r>
+            <a:r>
+              <a:rPr lang="en-US" altLang="zh-TW" sz="1000" dirty="0" smtClean="0"/>
+              <a:t>  ={{‘</a:t>
+            </a:r>
+            <a:r>
+              <a:rPr lang="en-US" altLang="zh-TW" sz="1000" dirty="0" err="1" smtClean="0"/>
+              <a:t>AllSubjects</a:t>
+            </a:r>
+            <a:r>
+              <a:rPr lang="en-US" altLang="zh-TW" sz="1000" dirty="0" smtClean="0"/>
+              <a:t>’},{‘</a:t>
+            </a:r>
+            <a:r>
+              <a:rPr lang="en-US" altLang="zh-TW" sz="1000" dirty="0" err="1" smtClean="0"/>
+              <a:t>Allsubject</a:t>
+            </a:r>
+            <a:r>
+              <a:rPr lang="en-US" altLang="zh-TW" sz="1000" dirty="0" smtClean="0"/>
+              <a:t>’,’Age’}}</a:t>
+            </a:r>
+          </a:p>
+          <a:p>
+            <a:r>
+              <a:rPr lang="en-US" altLang="zh-TW" sz="1000" dirty="0" err="1" smtClean="0"/>
+              <a:t>sub_con</a:t>
+            </a:r>
+            <a:r>
+              <a:rPr lang="en-US" altLang="zh-TW" sz="1000" dirty="0" smtClean="0"/>
+              <a:t> = {[1],[1,0]}</a:t>
+            </a:r>
+            <a:endParaRPr lang="en-US" altLang="zh-TW" sz="1000" dirty="0"/>
+          </a:p>
+        </p:txBody>
+      </p:sp>
+      <p:sp>
+        <p:nvSpPr>
+          <p:cNvPr id="36" name="文字方塊 35"/>
+          <p:cNvSpPr txBox="1"/>
+          <p:nvPr/>
+        </p:nvSpPr>
+        <p:spPr>
+          <a:xfrm>
+            <a:off x="198521" y="3715235"/>
+            <a:ext cx="1226618" cy="400110"/>
+          </a:xfrm>
+          <a:prstGeom prst="rect">
+            <a:avLst/>
+          </a:prstGeom>
+          <a:noFill/>
+        </p:spPr>
+        <p:txBody>
+          <a:bodyPr wrap="none" rtlCol="0">
+            <a:spAutoFit/>
+          </a:bodyPr>
+          <a:lstStyle/>
+          <a:p>
+            <a:r>
+              <a:rPr lang="zh-TW" altLang="en-US" sz="1000" dirty="0"/>
+              <a:t>放</a:t>
+            </a:r>
+            <a:r>
+              <a:rPr lang="en-US" altLang="zh-TW" sz="1000" dirty="0"/>
+              <a:t>project</a:t>
+            </a:r>
+            <a:r>
+              <a:rPr lang="zh-TW" altLang="en-US" sz="1000" dirty="0" smtClean="0"/>
+              <a:t>的路徑</a:t>
+            </a:r>
+            <a:endParaRPr lang="en-US" altLang="zh-TW" sz="1000" dirty="0" smtClean="0"/>
+          </a:p>
+          <a:p>
+            <a:r>
+              <a:rPr lang="zh-TW" altLang="en-US" sz="1000" dirty="0" smtClean="0"/>
+              <a:t>以及</a:t>
+            </a:r>
+            <a:r>
+              <a:rPr lang="en-US" altLang="zh-TW" sz="1000" dirty="0" smtClean="0"/>
+              <a:t>project </a:t>
+            </a:r>
+            <a:r>
+              <a:rPr lang="zh-TW" altLang="en-US" sz="1000" dirty="0" smtClean="0"/>
+              <a:t>的名字</a:t>
+            </a:r>
+            <a:endParaRPr lang="zh-TW" altLang="en-US" sz="1000" dirty="0"/>
+          </a:p>
+        </p:txBody>
+      </p:sp>
+      <p:cxnSp>
+        <p:nvCxnSpPr>
+          <p:cNvPr id="38" name="直線單箭頭接點 37"/>
+          <p:cNvCxnSpPr/>
+          <p:nvPr/>
+        </p:nvCxnSpPr>
+        <p:spPr>
+          <a:xfrm flipH="1" flipV="1">
+            <a:off x="1279387" y="3884512"/>
+            <a:ext cx="321087" cy="79893"/>
+          </a:xfrm>
+          <a:prstGeom prst="straightConnector1">
+            <a:avLst/>
+          </a:prstGeom>
+          <a:ln>
+            <a:tailEnd type="triangle"/>
+          </a:ln>
+        </p:spPr>
+        <p:style>
+          <a:lnRef idx="1">
+            <a:schemeClr val="dk1"/>
+          </a:lnRef>
+          <a:fillRef idx="0">
+            <a:schemeClr val="dk1"/>
+          </a:fillRef>
+          <a:effectRef idx="0">
+            <a:schemeClr val="dk1"/>
+          </a:effectRef>
+          <a:fontRef idx="minor">
+            <a:schemeClr val="tx1"/>
+          </a:fontRef>
+        </p:style>
+      </p:cxnSp>
+      <p:sp>
+        <p:nvSpPr>
+          <p:cNvPr id="39" name="文字方塊 38"/>
+          <p:cNvSpPr txBox="1"/>
+          <p:nvPr/>
+        </p:nvSpPr>
+        <p:spPr>
+          <a:xfrm>
+            <a:off x="7686233" y="4658335"/>
+            <a:ext cx="3519148" cy="230832"/>
+          </a:xfrm>
+          <a:prstGeom prst="rect">
+            <a:avLst/>
+          </a:prstGeom>
+          <a:noFill/>
+        </p:spPr>
+        <p:txBody>
+          <a:bodyPr wrap="square" rtlCol="0">
+            <a:spAutoFit/>
+          </a:bodyPr>
+          <a:lstStyle/>
+          <a:p>
+            <a:r>
+              <a:rPr lang="en-US" altLang="zh-TW" sz="900" dirty="0" smtClean="0">
+                <a:solidFill>
+                  <a:srgbClr val="FF0000"/>
+                </a:solidFill>
+              </a:rPr>
+              <a:t>Setup </a:t>
+            </a:r>
+            <a:r>
+              <a:rPr lang="zh-TW" altLang="en-US" sz="900" dirty="0" smtClean="0">
+                <a:solidFill>
+                  <a:srgbClr val="FF0000"/>
+                </a:solidFill>
+              </a:rPr>
+              <a:t>的 </a:t>
+            </a:r>
+            <a:r>
+              <a:rPr lang="en-US" altLang="zh-TW" sz="900" dirty="0" smtClean="0">
+                <a:solidFill>
+                  <a:srgbClr val="FF0000"/>
+                </a:solidFill>
+              </a:rPr>
+              <a:t>2nd level covariate define </a:t>
+            </a:r>
+            <a:r>
+              <a:rPr lang="zh-TW" altLang="en-US" sz="900" dirty="0" smtClean="0">
+                <a:solidFill>
+                  <a:srgbClr val="FF0000"/>
+                </a:solidFill>
+              </a:rPr>
+              <a:t>也沒寫好，從這兩個變數確認</a:t>
+            </a:r>
+            <a:endParaRPr lang="en-US" altLang="zh-TW" sz="900" dirty="0">
+              <a:solidFill>
+                <a:srgbClr val="FF0000"/>
+              </a:solidFill>
+            </a:endParaRPr>
+          </a:p>
+        </p:txBody>
+      </p:sp>
+      <p:pic>
+        <p:nvPicPr>
+          <p:cNvPr id="40" name="圖片 39"/>
+          <p:cNvPicPr>
+            <a:picLocks noChangeAspect="1"/>
+          </p:cNvPicPr>
+          <p:nvPr/>
+        </p:nvPicPr>
+        <p:blipFill rotWithShape="1">
+          <a:blip r:embed="rId5"/>
+          <a:srcRect t="67098" r="50548"/>
+          <a:stretch/>
+        </p:blipFill>
+        <p:spPr>
+          <a:xfrm>
+            <a:off x="7686233" y="4900102"/>
+            <a:ext cx="2848465" cy="307849"/>
+          </a:xfrm>
+          <a:prstGeom prst="rect">
+            <a:avLst/>
+          </a:prstGeom>
+        </p:spPr>
+      </p:pic>
+    </p:spTree>
+    <p:extLst>
+      <p:ext uri="{BB962C8B-B14F-4D97-AF65-F5344CB8AC3E}">
+        <p14:creationId xmlns:p14="http://schemas.microsoft.com/office/powerpoint/2010/main" val="175016221"/>
+      </p:ext>
+    </p:extLst>
+  </p:cSld>
+  <p:clrMapOvr>
+    <a:masterClrMapping/>
+  </p:clrMapOvr>
+  <p:timing>
+    <p:tnLst>
+      <p:par>
+        <p:cTn id="1" dur="indefinite" restart="never" nodeType="tmRoot"/>
+      </p:par>
+    </p:tnLst>
+  </p:timing>
 </p:sld>
 </file>
 
